--- a/Documentos/Apresentação.pptx
+++ b/Documentos/Apresentação.pptx
@@ -6,6 +6,7 @@
   </p:sldMasterIdLst>
   <p:sldIdLst>
     <p:sldId id="256" r:id="rId2"/>
+    <p:sldId id="257" r:id="rId3"/>
   </p:sldIdLst>
   <p:sldSz cx="12192000" cy="6858000"/>
   <p:notesSz cx="6858000" cy="9144000"/>
@@ -6159,6 +6160,74 @@
 </p:sld>
 </file>
 
+<file path=ppt/slides/slide2.xml><?xml version="1.0" encoding="utf-8"?>
+<p:sld xmlns:a="http://schemas.openxmlformats.org/drawingml/2006/main" xmlns:r="http://schemas.openxmlformats.org/officeDocument/2006/relationships" xmlns:p="http://schemas.openxmlformats.org/presentationml/2006/main">
+  <p:cSld>
+    <p:spTree>
+      <p:nvGrpSpPr>
+        <p:cNvPr id="1" name=""/>
+        <p:cNvGrpSpPr/>
+        <p:nvPr/>
+      </p:nvGrpSpPr>
+      <p:grpSpPr>
+        <a:xfrm>
+          <a:off x="0" y="0"/>
+          <a:ext cx="0" cy="0"/>
+          <a:chOff x="0" y="0"/>
+          <a:chExt cx="0" cy="0"/>
+        </a:xfrm>
+      </p:grpSpPr>
+      <p:sp>
+        <p:nvSpPr>
+          <p:cNvPr id="2" name="Título 1"/>
+          <p:cNvSpPr>
+            <a:spLocks noGrp="1"/>
+          </p:cNvSpPr>
+          <p:nvPr>
+            <p:ph type="title"/>
+          </p:nvPr>
+        </p:nvSpPr>
+        <p:spPr/>
+        <p:txBody>
+          <a:bodyPr/>
+          <a:lstStyle/>
+          <a:p>
+            <a:endParaRPr lang="en-US"/>
+          </a:p>
+        </p:txBody>
+      </p:sp>
+      <p:sp>
+        <p:nvSpPr>
+          <p:cNvPr id="3" name="Espaço Reservado para Conteúdo 2"/>
+          <p:cNvSpPr>
+            <a:spLocks noGrp="1"/>
+          </p:cNvSpPr>
+          <p:nvPr>
+            <p:ph idx="1"/>
+          </p:nvPr>
+        </p:nvSpPr>
+        <p:spPr/>
+        <p:txBody>
+          <a:bodyPr/>
+          <a:lstStyle/>
+          <a:p>
+            <a:endParaRPr lang="en-US"/>
+          </a:p>
+        </p:txBody>
+      </p:sp>
+    </p:spTree>
+    <p:extLst>
+      <p:ext uri="{BB962C8B-B14F-4D97-AF65-F5344CB8AC3E}">
+        <p14:creationId xmlns:p14="http://schemas.microsoft.com/office/powerpoint/2010/main" val="1252761890"/>
+      </p:ext>
+    </p:extLst>
+  </p:cSld>
+  <p:clrMapOvr>
+    <a:masterClrMapping/>
+  </p:clrMapOvr>
+</p:sld>
+</file>
+
 <file path=ppt/theme/theme1.xml><?xml version="1.0" encoding="utf-8"?>
 <a:theme xmlns:a="http://schemas.openxmlformats.org/drawingml/2006/main" name="Íon">
   <a:themeElements>

--- a/Documentos/Apresentação.pptx
+++ b/Documentos/Apresentação.pptx
@@ -6,7 +6,9 @@
   </p:sldMasterIdLst>
   <p:sldIdLst>
     <p:sldId id="256" r:id="rId2"/>
-    <p:sldId id="257" r:id="rId3"/>
+    <p:sldId id="260" r:id="rId3"/>
+    <p:sldId id="259" r:id="rId4"/>
+    <p:sldId id="261" r:id="rId5"/>
   </p:sldIdLst>
   <p:sldSz cx="12192000" cy="6858000"/>
   <p:notesSz cx="6858000" cy="9144000"/>
@@ -105,6 +107,23 @@
       </a:defRPr>
     </a:lvl9pPr>
   </p:defaultTextStyle>
+  <p:extLst>
+    <p:ext uri="{521415D9-36F7-43E2-AB2F-B90AF26B5E84}">
+      <p14:sectionLst xmlns:p14="http://schemas.microsoft.com/office/powerpoint/2010/main">
+        <p14:section name="Seção Padrão" id="{755C27DA-14F2-4933-9181-D9B7A42E67EE}">
+          <p14:sldIdLst>
+            <p14:sldId id="256"/>
+            <p14:sldId id="260"/>
+            <p14:sldId id="259"/>
+            <p14:sldId id="261"/>
+          </p14:sldIdLst>
+        </p14:section>
+      </p14:sectionLst>
+    </p:ext>
+    <p:ext uri="{EFAFB233-063F-42B5-8137-9DF3F51BA10A}">
+      <p15:sldGuideLst xmlns:p15="http://schemas.microsoft.com/office/powerpoint/2012/main"/>
+    </p:ext>
+  </p:extLst>
 </p:presentation>
 </file>
 
@@ -294,7 +313,7 @@
           <a:p>
             <a:fld id="{867E5F3F-0E5B-4A20-8542-2300D3595CFA}" type="datetimeFigureOut">
               <a:rPr lang="en-US" smtClean="0"/>
-              <a:t>8/3/2014</a:t>
+              <a:t>8/21/2014</a:t>
             </a:fld>
             <a:endParaRPr lang="en-US"/>
           </a:p>
@@ -569,7 +588,7 @@
           <a:p>
             <a:fld id="{867E5F3F-0E5B-4A20-8542-2300D3595CFA}" type="datetimeFigureOut">
               <a:rPr lang="en-US" smtClean="0"/>
-              <a:t>8/3/2014</a:t>
+              <a:t>8/21/2014</a:t>
             </a:fld>
             <a:endParaRPr lang="en-US"/>
           </a:p>
@@ -763,7 +782,7 @@
           <a:p>
             <a:fld id="{867E5F3F-0E5B-4A20-8542-2300D3595CFA}" type="datetimeFigureOut">
               <a:rPr lang="en-US" smtClean="0"/>
-              <a:t>8/3/2014</a:t>
+              <a:t>8/21/2014</a:t>
             </a:fld>
             <a:endParaRPr lang="en-US"/>
           </a:p>
@@ -1036,7 +1055,7 @@
           <a:p>
             <a:fld id="{867E5F3F-0E5B-4A20-8542-2300D3595CFA}" type="datetimeFigureOut">
               <a:rPr lang="en-US" smtClean="0"/>
-              <a:t>8/3/2014</a:t>
+              <a:t>8/21/2014</a:t>
             </a:fld>
             <a:endParaRPr lang="en-US"/>
           </a:p>
@@ -1377,7 +1396,7 @@
           <a:p>
             <a:fld id="{867E5F3F-0E5B-4A20-8542-2300D3595CFA}" type="datetimeFigureOut">
               <a:rPr lang="en-US" smtClean="0"/>
-              <a:t>8/3/2014</a:t>
+              <a:t>8/21/2014</a:t>
             </a:fld>
             <a:endParaRPr lang="en-US"/>
           </a:p>
@@ -2000,7 +2019,7 @@
           <a:p>
             <a:fld id="{867E5F3F-0E5B-4A20-8542-2300D3595CFA}" type="datetimeFigureOut">
               <a:rPr lang="en-US" smtClean="0"/>
-              <a:t>8/3/2014</a:t>
+              <a:t>8/21/2014</a:t>
             </a:fld>
             <a:endParaRPr lang="en-US"/>
           </a:p>
@@ -2860,7 +2879,7 @@
           <a:p>
             <a:fld id="{867E5F3F-0E5B-4A20-8542-2300D3595CFA}" type="datetimeFigureOut">
               <a:rPr lang="en-US" smtClean="0"/>
-              <a:t>8/3/2014</a:t>
+              <a:t>8/21/2014</a:t>
             </a:fld>
             <a:endParaRPr lang="en-US"/>
           </a:p>
@@ -3030,7 +3049,7 @@
           <a:p>
             <a:fld id="{867E5F3F-0E5B-4A20-8542-2300D3595CFA}" type="datetimeFigureOut">
               <a:rPr lang="en-US" smtClean="0"/>
-              <a:t>8/3/2014</a:t>
+              <a:t>8/21/2014</a:t>
             </a:fld>
             <a:endParaRPr lang="en-US"/>
           </a:p>
@@ -3210,7 +3229,7 @@
           <a:p>
             <a:fld id="{867E5F3F-0E5B-4A20-8542-2300D3595CFA}" type="datetimeFigureOut">
               <a:rPr lang="en-US" smtClean="0"/>
-              <a:t>8/3/2014</a:t>
+              <a:t>8/21/2014</a:t>
             </a:fld>
             <a:endParaRPr lang="en-US"/>
           </a:p>
@@ -3380,7 +3399,7 @@
           <a:p>
             <a:fld id="{867E5F3F-0E5B-4A20-8542-2300D3595CFA}" type="datetimeFigureOut">
               <a:rPr lang="en-US" smtClean="0"/>
-              <a:t>8/3/2014</a:t>
+              <a:t>8/21/2014</a:t>
             </a:fld>
             <a:endParaRPr lang="en-US"/>
           </a:p>
@@ -3627,7 +3646,7 @@
           <a:p>
             <a:fld id="{867E5F3F-0E5B-4A20-8542-2300D3595CFA}" type="datetimeFigureOut">
               <a:rPr lang="en-US" smtClean="0"/>
-              <a:t>8/3/2014</a:t>
+              <a:t>8/21/2014</a:t>
             </a:fld>
             <a:endParaRPr lang="en-US"/>
           </a:p>
@@ -3919,7 +3938,7 @@
           <a:p>
             <a:fld id="{867E5F3F-0E5B-4A20-8542-2300D3595CFA}" type="datetimeFigureOut">
               <a:rPr lang="en-US" smtClean="0"/>
-              <a:t>8/3/2014</a:t>
+              <a:t>8/21/2014</a:t>
             </a:fld>
             <a:endParaRPr lang="en-US"/>
           </a:p>
@@ -4363,7 +4382,7 @@
           <a:p>
             <a:fld id="{867E5F3F-0E5B-4A20-8542-2300D3595CFA}" type="datetimeFigureOut">
               <a:rPr lang="en-US" smtClean="0"/>
-              <a:t>8/3/2014</a:t>
+              <a:t>8/21/2014</a:t>
             </a:fld>
             <a:endParaRPr lang="en-US"/>
           </a:p>
@@ -4481,7 +4500,7 @@
           <a:p>
             <a:fld id="{867E5F3F-0E5B-4A20-8542-2300D3595CFA}" type="datetimeFigureOut">
               <a:rPr lang="en-US" smtClean="0"/>
-              <a:t>8/3/2014</a:t>
+              <a:t>8/21/2014</a:t>
             </a:fld>
             <a:endParaRPr lang="en-US"/>
           </a:p>
@@ -4576,7 +4595,7 @@
           <a:p>
             <a:fld id="{867E5F3F-0E5B-4A20-8542-2300D3595CFA}" type="datetimeFigureOut">
               <a:rPr lang="en-US" smtClean="0"/>
-              <a:t>8/3/2014</a:t>
+              <a:t>8/21/2014</a:t>
             </a:fld>
             <a:endParaRPr lang="en-US"/>
           </a:p>
@@ -4855,7 +4874,7 @@
           <a:p>
             <a:fld id="{867E5F3F-0E5B-4A20-8542-2300D3595CFA}" type="datetimeFigureOut">
               <a:rPr lang="en-US" smtClean="0"/>
-              <a:t>8/3/2014</a:t>
+              <a:t>8/21/2014</a:t>
             </a:fld>
             <a:endParaRPr lang="en-US"/>
           </a:p>
@@ -5130,7 +5149,7 @@
           <a:p>
             <a:fld id="{867E5F3F-0E5B-4A20-8542-2300D3595CFA}" type="datetimeFigureOut">
               <a:rPr lang="en-US" smtClean="0"/>
-              <a:t>8/3/2014</a:t>
+              <a:t>8/21/2014</a:t>
             </a:fld>
             <a:endParaRPr lang="en-US"/>
           </a:p>
@@ -5559,7 +5578,7 @@
           <a:p>
             <a:fld id="{867E5F3F-0E5B-4A20-8542-2300D3595CFA}" type="datetimeFigureOut">
               <a:rPr lang="en-US" smtClean="0"/>
-              <a:t>8/3/2014</a:t>
+              <a:t>8/21/2014</a:t>
             </a:fld>
             <a:endParaRPr lang="en-US"/>
           </a:p>
@@ -6161,6 +6180,164 @@
 </file>
 
 <file path=ppt/slides/slide2.xml><?xml version="1.0" encoding="utf-8"?>
+<p:sld xmlns:a="http://schemas.openxmlformats.org/drawingml/2006/main" xmlns:r="http://schemas.openxmlformats.org/officeDocument/2006/relationships" xmlns:p="http://schemas.openxmlformats.org/presentationml/2006/main" showMasterSp="0">
+  <p:cSld>
+    <p:bg>
+      <p:bgPr>
+        <a:solidFill>
+          <a:schemeClr val="tx1"/>
+        </a:solidFill>
+        <a:effectLst/>
+      </p:bgPr>
+    </p:bg>
+    <p:spTree>
+      <p:nvGrpSpPr>
+        <p:cNvPr id="1" name=""/>
+        <p:cNvGrpSpPr/>
+        <p:nvPr/>
+      </p:nvGrpSpPr>
+      <p:grpSpPr>
+        <a:xfrm>
+          <a:off x="0" y="0"/>
+          <a:ext cx="0" cy="0"/>
+          <a:chOff x="0" y="0"/>
+          <a:chExt cx="0" cy="0"/>
+        </a:xfrm>
+      </p:grpSpPr>
+      <p:pic>
+        <p:nvPicPr>
+          <p:cNvPr id="2050" name="Picture 2" descr="Esquema visual do MVC (model - view-controller)."/>
+          <p:cNvPicPr>
+            <a:picLocks noChangeAspect="1" noChangeArrowheads="1"/>
+          </p:cNvPicPr>
+          <p:nvPr/>
+        </p:nvPicPr>
+        <p:blipFill>
+          <a:blip r:embed="rId2">
+            <a:extLst>
+              <a:ext uri="{28A0092B-C50C-407E-A947-70E740481C1C}">
+                <a14:useLocalDpi xmlns:a14="http://schemas.microsoft.com/office/drawing/2010/main" val="0"/>
+              </a:ext>
+            </a:extLst>
+          </a:blip>
+          <a:srcRect/>
+          <a:stretch>
+            <a:fillRect/>
+          </a:stretch>
+        </p:blipFill>
+        <p:spPr bwMode="auto">
+          <a:xfrm>
+            <a:off x="463763" y="1955409"/>
+            <a:ext cx="11249007" cy="3397200"/>
+          </a:xfrm>
+          <a:prstGeom prst="rect">
+            <a:avLst/>
+          </a:prstGeom>
+          <a:noFill/>
+          <a:extLst>
+            <a:ext uri="{909E8E84-426E-40DD-AFC4-6F175D3DCCD1}">
+              <a14:hiddenFill xmlns:a14="http://schemas.microsoft.com/office/drawing/2010/main">
+                <a:solidFill>
+                  <a:srgbClr val="FFFFFF"/>
+                </a:solidFill>
+              </a14:hiddenFill>
+            </a:ext>
+          </a:extLst>
+        </p:spPr>
+      </p:pic>
+    </p:spTree>
+    <p:extLst>
+      <p:ext uri="{BB962C8B-B14F-4D97-AF65-F5344CB8AC3E}">
+        <p14:creationId xmlns:p14="http://schemas.microsoft.com/office/powerpoint/2010/main" val="502520012"/>
+      </p:ext>
+    </p:extLst>
+  </p:cSld>
+  <p:clrMapOvr>
+    <a:masterClrMapping/>
+  </p:clrMapOvr>
+</p:sld>
+</file>
+
+<file path=ppt/slides/slide3.xml><?xml version="1.0" encoding="utf-8"?>
+<p:sld xmlns:a="http://schemas.openxmlformats.org/drawingml/2006/main" xmlns:r="http://schemas.openxmlformats.org/officeDocument/2006/relationships" xmlns:p="http://schemas.openxmlformats.org/presentationml/2006/main" showMasterSp="0">
+  <p:cSld>
+    <p:bg>
+      <p:bgPr>
+        <a:solidFill>
+          <a:schemeClr val="tx1"/>
+        </a:solidFill>
+        <a:effectLst/>
+      </p:bgPr>
+    </p:bg>
+    <p:spTree>
+      <p:nvGrpSpPr>
+        <p:cNvPr id="1" name=""/>
+        <p:cNvGrpSpPr/>
+        <p:nvPr/>
+      </p:nvGrpSpPr>
+      <p:grpSpPr>
+        <a:xfrm>
+          <a:off x="0" y="0"/>
+          <a:ext cx="0" cy="0"/>
+          <a:chOff x="0" y="0"/>
+          <a:chExt cx="0" cy="0"/>
+        </a:xfrm>
+      </p:grpSpPr>
+      <p:pic>
+        <p:nvPicPr>
+          <p:cNvPr id="2" name="Picture 2" descr="http://fatihburgaz.com/wp-content/uploads/2014/07/mvc-mantik.png"/>
+          <p:cNvPicPr>
+            <a:picLocks noChangeAspect="1" noChangeArrowheads="1"/>
+          </p:cNvPicPr>
+          <p:nvPr/>
+        </p:nvPicPr>
+        <p:blipFill>
+          <a:blip r:embed="rId2">
+            <a:extLst>
+              <a:ext uri="{28A0092B-C50C-407E-A947-70E740481C1C}">
+                <a14:useLocalDpi xmlns:a14="http://schemas.microsoft.com/office/drawing/2010/main" val="0"/>
+              </a:ext>
+            </a:extLst>
+          </a:blip>
+          <a:srcRect/>
+          <a:stretch>
+            <a:fillRect/>
+          </a:stretch>
+        </p:blipFill>
+        <p:spPr bwMode="auto">
+          <a:xfrm>
+            <a:off x="1717089" y="807720"/>
+            <a:ext cx="9029700" cy="5562600"/>
+          </a:xfrm>
+          <a:prstGeom prst="rect">
+            <a:avLst/>
+          </a:prstGeom>
+          <a:noFill/>
+          <a:extLst>
+            <a:ext uri="{909E8E84-426E-40DD-AFC4-6F175D3DCCD1}">
+              <a14:hiddenFill xmlns:a14="http://schemas.microsoft.com/office/drawing/2010/main">
+                <a:solidFill>
+                  <a:srgbClr val="FFFFFF"/>
+                </a:solidFill>
+              </a14:hiddenFill>
+            </a:ext>
+          </a:extLst>
+        </p:spPr>
+      </p:pic>
+    </p:spTree>
+    <p:extLst>
+      <p:ext uri="{BB962C8B-B14F-4D97-AF65-F5344CB8AC3E}">
+        <p14:creationId xmlns:p14="http://schemas.microsoft.com/office/powerpoint/2010/main" val="2846821693"/>
+      </p:ext>
+    </p:extLst>
+  </p:cSld>
+  <p:clrMapOvr>
+    <a:masterClrMapping/>
+  </p:clrMapOvr>
+</p:sld>
+</file>
+
+<file path=ppt/slides/slide4.xml><?xml version="1.0" encoding="utf-8"?>
 <p:sld xmlns:a="http://schemas.openxmlformats.org/drawingml/2006/main" xmlns:r="http://schemas.openxmlformats.org/officeDocument/2006/relationships" xmlns:p="http://schemas.openxmlformats.org/presentationml/2006/main">
   <p:cSld>
     <p:spTree>
@@ -6179,7 +6356,7 @@
       </p:grpSpPr>
       <p:sp>
         <p:nvSpPr>
-          <p:cNvPr id="2" name="Título 1"/>
+          <p:cNvPr id="4" name="Título 3"/>
           <p:cNvSpPr>
             <a:spLocks noGrp="1"/>
           </p:cNvSpPr>
@@ -6192,13 +6369,21 @@
           <a:bodyPr/>
           <a:lstStyle/>
           <a:p>
-            <a:endParaRPr lang="en-US"/>
-          </a:p>
-        </p:txBody>
-      </p:sp>
-      <p:sp>
-        <p:nvSpPr>
-          <p:cNvPr id="3" name="Espaço Reservado para Conteúdo 2"/>
+            <a:r>
+              <a:rPr lang="pt-BR" dirty="0" smtClean="0"/>
+              <a:t>Display / Editor </a:t>
+            </a:r>
+            <a:r>
+              <a:rPr lang="pt-BR" smtClean="0"/>
+              <a:t>Templates</a:t>
+            </a:r>
+            <a:endParaRPr lang="pt-BR"/>
+          </a:p>
+        </p:txBody>
+      </p:sp>
+      <p:sp>
+        <p:nvSpPr>
+          <p:cNvPr id="5" name="Espaço Reservado para Conteúdo 4"/>
           <p:cNvSpPr>
             <a:spLocks noGrp="1"/>
           </p:cNvSpPr>
@@ -6211,14 +6396,14 @@
           <a:bodyPr/>
           <a:lstStyle/>
           <a:p>
-            <a:endParaRPr lang="en-US"/>
+            <a:endParaRPr lang="pt-BR"/>
           </a:p>
         </p:txBody>
       </p:sp>
     </p:spTree>
     <p:extLst>
       <p:ext uri="{BB962C8B-B14F-4D97-AF65-F5344CB8AC3E}">
-        <p14:creationId xmlns:p14="http://schemas.microsoft.com/office/powerpoint/2010/main" val="1252761890"/>
+        <p14:creationId xmlns:p14="http://schemas.microsoft.com/office/powerpoint/2010/main" val="846612132"/>
       </p:ext>
     </p:extLst>
   </p:cSld>

--- a/Documentos/Apresentação.pptx
+++ b/Documentos/Apresentação.pptx
@@ -6374,10 +6374,10 @@
               <a:t>Display / Editor </a:t>
             </a:r>
             <a:r>
-              <a:rPr lang="pt-BR" smtClean="0"/>
+              <a:rPr lang="pt-BR" dirty="0" err="1" smtClean="0"/>
               <a:t>Templates</a:t>
             </a:r>
-            <a:endParaRPr lang="pt-BR"/>
+            <a:endParaRPr lang="pt-BR" dirty="0"/>
           </a:p>
         </p:txBody>
       </p:sp>
